--- a/3_recursion_data/slides/3_recursion_data.pptx
+++ b/3_recursion_data/slides/3_recursion_data.pptx
@@ -10,6 +10,10 @@
     <p:sldId id="257" r:id="rId4"/>
     <p:sldId id="258" r:id="rId5"/>
     <p:sldId id="259" r:id="rId6"/>
+    <p:sldId id="260" r:id="rId7"/>
+    <p:sldId id="261" r:id="rId8"/>
+    <p:sldId id="262" r:id="rId9"/>
+    <p:sldId id="263" r:id="rId10"/>
   </p:sldIdLst>
   <p:sldSz cx="9144000" cy="6858000" type="screen4x3"/>
   <p:notesSz cx="6858000" cy="9144000"/>
@@ -769,7 +773,7 @@
           <a:p>
             <a:fld id="{E90ED720-0104-4369-84BC-D37694168613}" type="datetimeFigureOut">
               <a:rPr kumimoji="1" lang="ja-JP" altLang="en-US" smtClean="0"/>
-              <a:t>2013/10/23</a:t>
+              <a:t>2013/10/25</a:t>
             </a:fld>
             <a:endParaRPr kumimoji="1" lang="ja-JP" altLang="en-US"/>
           </a:p>
@@ -984,7 +988,7 @@
           <a:p>
             <a:fld id="{E90ED720-0104-4369-84BC-D37694168613}" type="datetimeFigureOut">
               <a:rPr kumimoji="1" lang="ja-JP" altLang="en-US" smtClean="0"/>
-              <a:t>2013/10/23</a:t>
+              <a:t>2013/10/25</a:t>
             </a:fld>
             <a:endParaRPr kumimoji="1" lang="ja-JP" altLang="en-US"/>
           </a:p>
@@ -1191,7 +1195,7 @@
           <a:p>
             <a:fld id="{E90ED720-0104-4369-84BC-D37694168613}" type="datetimeFigureOut">
               <a:rPr kumimoji="1" lang="ja-JP" altLang="en-US" smtClean="0"/>
-              <a:t>2013/10/23</a:t>
+              <a:t>2013/10/25</a:t>
             </a:fld>
             <a:endParaRPr kumimoji="1" lang="ja-JP" altLang="en-US"/>
           </a:p>
@@ -1428,7 +1432,7 @@
           <a:p>
             <a:fld id="{E90ED720-0104-4369-84BC-D37694168613}" type="datetimeFigureOut">
               <a:rPr kumimoji="1" lang="ja-JP" altLang="en-US" smtClean="0"/>
-              <a:t>2013/10/23</a:t>
+              <a:t>2013/10/25</a:t>
             </a:fld>
             <a:endParaRPr kumimoji="1" lang="ja-JP" altLang="en-US"/>
           </a:p>
@@ -1630,7 +1634,7 @@
           <a:p>
             <a:fld id="{E90ED720-0104-4369-84BC-D37694168613}" type="datetimeFigureOut">
               <a:rPr kumimoji="1" lang="ja-JP" altLang="en-US" smtClean="0"/>
-              <a:t>2013/10/23</a:t>
+              <a:t>2013/10/25</a:t>
             </a:fld>
             <a:endParaRPr kumimoji="1" lang="ja-JP" altLang="en-US"/>
           </a:p>
@@ -1876,7 +1880,7 @@
           <a:p>
             <a:fld id="{E90ED720-0104-4369-84BC-D37694168613}" type="datetimeFigureOut">
               <a:rPr kumimoji="1" lang="ja-JP" altLang="en-US" smtClean="0"/>
-              <a:t>2013/10/23</a:t>
+              <a:t>2013/10/25</a:t>
             </a:fld>
             <a:endParaRPr kumimoji="1" lang="ja-JP" altLang="en-US"/>
           </a:p>
@@ -2228,7 +2232,7 @@
           <a:p>
             <a:fld id="{E90ED720-0104-4369-84BC-D37694168613}" type="datetimeFigureOut">
               <a:rPr kumimoji="1" lang="ja-JP" altLang="en-US" smtClean="0"/>
-              <a:t>2013/10/23</a:t>
+              <a:t>2013/10/25</a:t>
             </a:fld>
             <a:endParaRPr kumimoji="1" lang="ja-JP" altLang="en-US"/>
           </a:p>
@@ -2714,7 +2718,7 @@
           <a:p>
             <a:fld id="{E90ED720-0104-4369-84BC-D37694168613}" type="datetimeFigureOut">
               <a:rPr kumimoji="1" lang="ja-JP" altLang="en-US" smtClean="0"/>
-              <a:t>2013/10/23</a:t>
+              <a:t>2013/10/25</a:t>
             </a:fld>
             <a:endParaRPr kumimoji="1" lang="ja-JP" altLang="en-US"/>
           </a:p>
@@ -2832,7 +2836,7 @@
           <a:p>
             <a:fld id="{E90ED720-0104-4369-84BC-D37694168613}" type="datetimeFigureOut">
               <a:rPr kumimoji="1" lang="ja-JP" altLang="en-US" smtClean="0"/>
-              <a:t>2013/10/23</a:t>
+              <a:t>2013/10/25</a:t>
             </a:fld>
             <a:endParaRPr kumimoji="1" lang="ja-JP" altLang="en-US"/>
           </a:p>
@@ -2927,7 +2931,7 @@
           <a:p>
             <a:fld id="{E90ED720-0104-4369-84BC-D37694168613}" type="datetimeFigureOut">
               <a:rPr kumimoji="1" lang="ja-JP" altLang="en-US" smtClean="0"/>
-              <a:t>2013/10/23</a:t>
+              <a:t>2013/10/25</a:t>
             </a:fld>
             <a:endParaRPr kumimoji="1" lang="ja-JP" altLang="en-US"/>
           </a:p>
@@ -3236,7 +3240,7 @@
           <a:p>
             <a:fld id="{E90ED720-0104-4369-84BC-D37694168613}" type="datetimeFigureOut">
               <a:rPr kumimoji="1" lang="ja-JP" altLang="en-US" smtClean="0"/>
-              <a:t>2013/10/23</a:t>
+              <a:t>2013/10/25</a:t>
             </a:fld>
             <a:endParaRPr kumimoji="1" lang="ja-JP" altLang="en-US"/>
           </a:p>
@@ -3438,7 +3442,7 @@
           <a:p>
             <a:fld id="{E90ED720-0104-4369-84BC-D37694168613}" type="datetimeFigureOut">
               <a:rPr kumimoji="1" lang="ja-JP" altLang="en-US" smtClean="0"/>
-              <a:t>2013/10/23</a:t>
+              <a:t>2013/10/25</a:t>
             </a:fld>
             <a:endParaRPr kumimoji="1" lang="ja-JP" altLang="en-US"/>
           </a:p>
@@ -3686,7 +3690,7 @@
           <a:p>
             <a:fld id="{E90ED720-0104-4369-84BC-D37694168613}" type="datetimeFigureOut">
               <a:rPr kumimoji="1" lang="ja-JP" altLang="en-US" smtClean="0"/>
-              <a:t>2013/10/23</a:t>
+              <a:t>2013/10/25</a:t>
             </a:fld>
             <a:endParaRPr kumimoji="1" lang="ja-JP" altLang="en-US"/>
           </a:p>
@@ -3888,7 +3892,7 @@
           <a:p>
             <a:fld id="{E90ED720-0104-4369-84BC-D37694168613}" type="datetimeFigureOut">
               <a:rPr kumimoji="1" lang="ja-JP" altLang="en-US" smtClean="0"/>
-              <a:t>2013/10/23</a:t>
+              <a:t>2013/10/25</a:t>
             </a:fld>
             <a:endParaRPr kumimoji="1" lang="ja-JP" altLang="en-US"/>
           </a:p>
@@ -4100,7 +4104,7 @@
           <a:p>
             <a:fld id="{E90ED720-0104-4369-84BC-D37694168613}" type="datetimeFigureOut">
               <a:rPr kumimoji="1" lang="ja-JP" altLang="en-US" smtClean="0"/>
-              <a:t>2013/10/23</a:t>
+              <a:t>2013/10/25</a:t>
             </a:fld>
             <a:endParaRPr kumimoji="1" lang="ja-JP" altLang="en-US"/>
           </a:p>
@@ -4326,7 +4330,7 @@
           <a:p>
             <a:fld id="{E90ED720-0104-4369-84BC-D37694168613}" type="datetimeFigureOut">
               <a:rPr kumimoji="1" lang="ja-JP" altLang="en-US" smtClean="0"/>
-              <a:t>2013/10/23</a:t>
+              <a:t>2013/10/25</a:t>
             </a:fld>
             <a:endParaRPr kumimoji="1" lang="ja-JP" altLang="en-US"/>
           </a:p>
@@ -4649,7 +4653,7 @@
           <a:p>
             <a:fld id="{E90ED720-0104-4369-84BC-D37694168613}" type="datetimeFigureOut">
               <a:rPr kumimoji="1" lang="ja-JP" altLang="en-US" smtClean="0"/>
-              <a:t>2013/10/23</a:t>
+              <a:t>2013/10/25</a:t>
             </a:fld>
             <a:endParaRPr kumimoji="1" lang="ja-JP" altLang="en-US"/>
           </a:p>
@@ -5117,7 +5121,7 @@
           <a:p>
             <a:fld id="{E90ED720-0104-4369-84BC-D37694168613}" type="datetimeFigureOut">
               <a:rPr kumimoji="1" lang="ja-JP" altLang="en-US" smtClean="0"/>
-              <a:t>2013/10/23</a:t>
+              <a:t>2013/10/25</a:t>
             </a:fld>
             <a:endParaRPr kumimoji="1" lang="ja-JP" altLang="en-US"/>
           </a:p>
@@ -5248,7 +5252,7 @@
           <a:p>
             <a:fld id="{E90ED720-0104-4369-84BC-D37694168613}" type="datetimeFigureOut">
               <a:rPr kumimoji="1" lang="ja-JP" altLang="en-US" smtClean="0"/>
-              <a:t>2013/10/23</a:t>
+              <a:t>2013/10/25</a:t>
             </a:fld>
             <a:endParaRPr kumimoji="1" lang="ja-JP" altLang="en-US"/>
           </a:p>
@@ -5348,7 +5352,7 @@
           <a:p>
             <a:fld id="{E90ED720-0104-4369-84BC-D37694168613}" type="datetimeFigureOut">
               <a:rPr kumimoji="1" lang="ja-JP" altLang="en-US" smtClean="0"/>
-              <a:t>2013/10/23</a:t>
+              <a:t>2013/10/25</a:t>
             </a:fld>
             <a:endParaRPr kumimoji="1" lang="ja-JP" altLang="en-US"/>
           </a:p>
@@ -5625,7 +5629,7 @@
           <a:p>
             <a:fld id="{E90ED720-0104-4369-84BC-D37694168613}" type="datetimeFigureOut">
               <a:rPr kumimoji="1" lang="ja-JP" altLang="en-US" smtClean="0"/>
-              <a:t>2013/10/23</a:t>
+              <a:t>2013/10/25</a:t>
             </a:fld>
             <a:endParaRPr kumimoji="1" lang="ja-JP" altLang="en-US"/>
           </a:p>
@@ -5869,7 +5873,7 @@
           <a:p>
             <a:fld id="{E90ED720-0104-4369-84BC-D37694168613}" type="datetimeFigureOut">
               <a:rPr kumimoji="1" lang="ja-JP" altLang="en-US" smtClean="0"/>
-              <a:t>2013/10/23</a:t>
+              <a:t>2013/10/25</a:t>
             </a:fld>
             <a:endParaRPr kumimoji="1" lang="ja-JP" altLang="en-US"/>
           </a:p>
@@ -6725,7 +6729,7 @@
           <a:p>
             <a:fld id="{E90ED720-0104-4369-84BC-D37694168613}" type="datetimeFigureOut">
               <a:rPr kumimoji="1" lang="ja-JP" altLang="en-US" smtClean="0"/>
-              <a:t>2013/10/23</a:t>
+              <a:t>2013/10/25</a:t>
             </a:fld>
             <a:endParaRPr kumimoji="1" lang="ja-JP" altLang="en-US"/>
           </a:p>
@@ -7282,7 +7286,7 @@
           <a:p>
             <a:fld id="{E90ED720-0104-4369-84BC-D37694168613}" type="datetimeFigureOut">
               <a:rPr kumimoji="1" lang="ja-JP" altLang="en-US" smtClean="0"/>
-              <a:t>2013/10/23</a:t>
+              <a:t>2013/10/25</a:t>
             </a:fld>
             <a:endParaRPr kumimoji="1" lang="ja-JP" altLang="en-US"/>
           </a:p>
@@ -7824,6 +7828,10 @@
           <a:lstStyle/>
           <a:p>
             <a:pPr algn="l"/>
+            <a:r>
+              <a:rPr kumimoji="1" lang="ja-JP" altLang="en-US" dirty="0" smtClean="0"/>
+              <a:t>リストをつかおう！</a:t>
+            </a:r>
             <a:endParaRPr kumimoji="1" lang="ja-JP" altLang="en-US" dirty="0"/>
           </a:p>
         </p:txBody>
@@ -7873,6 +7881,10 @@
           <a:bodyPr/>
           <a:lstStyle/>
           <a:p>
+            <a:r>
+              <a:rPr kumimoji="1" lang="en-US" altLang="ja-JP" b="1" dirty="0" err="1" smtClean="0"/>
+              <a:t>foldl</a:t>
+            </a:r>
             <a:endParaRPr kumimoji="1" lang="ja-JP" altLang="en-US" b="1" dirty="0"/>
           </a:p>
         </p:txBody>
@@ -7892,7 +7904,182 @@
           <a:bodyPr/>
           <a:lstStyle/>
           <a:p>
-            <a:endParaRPr kumimoji="1" lang="ja-JP" altLang="en-US"/>
+            <a:pPr marL="109728" indent="0">
+              <a:buNone/>
+            </a:pPr>
+            <a:r>
+              <a:rPr kumimoji="1" lang="en-US" altLang="ja-JP" dirty="0" err="1" smtClean="0"/>
+              <a:t>foldl</a:t>
+            </a:r>
+            <a:r>
+              <a:rPr kumimoji="1" lang="en-US" altLang="ja-JP" dirty="0" smtClean="0"/>
+              <a:t> :: (a -&gt; b -&gt; b) -&gt; a -&gt; [b] -&gt; a</a:t>
+            </a:r>
+            <a:br>
+              <a:rPr kumimoji="1" lang="en-US" altLang="ja-JP" dirty="0" smtClean="0"/>
+            </a:br>
+            <a:r>
+              <a:rPr kumimoji="1" lang="en-US" altLang="ja-JP" dirty="0" err="1" smtClean="0"/>
+              <a:t>foldl</a:t>
+            </a:r>
+            <a:r>
+              <a:rPr kumimoji="1" lang="en-US" altLang="ja-JP" dirty="0" smtClean="0"/>
+              <a:t> f a [] = a</a:t>
+            </a:r>
+            <a:br>
+              <a:rPr kumimoji="1" lang="en-US" altLang="ja-JP" dirty="0" smtClean="0"/>
+            </a:br>
+            <a:r>
+              <a:rPr kumimoji="1" lang="en-US" altLang="ja-JP" dirty="0" err="1" smtClean="0"/>
+              <a:t>foldl</a:t>
+            </a:r>
+            <a:r>
+              <a:rPr kumimoji="1" lang="en-US" altLang="ja-JP" dirty="0" smtClean="0"/>
+              <a:t> f a (</a:t>
+            </a:r>
+            <a:r>
+              <a:rPr kumimoji="1" lang="en-US" altLang="ja-JP" dirty="0" err="1" smtClean="0"/>
+              <a:t>b:bs</a:t>
+            </a:r>
+            <a:r>
+              <a:rPr kumimoji="1" lang="en-US" altLang="ja-JP" dirty="0" smtClean="0"/>
+              <a:t>) = </a:t>
+            </a:r>
+            <a:r>
+              <a:rPr kumimoji="1" lang="en-US" altLang="ja-JP" dirty="0" err="1" smtClean="0"/>
+              <a:t>foldl</a:t>
+            </a:r>
+            <a:r>
+              <a:rPr kumimoji="1" lang="en-US" altLang="ja-JP" dirty="0" smtClean="0"/>
+              <a:t> f (f a b) </a:t>
+            </a:r>
+            <a:r>
+              <a:rPr kumimoji="1" lang="en-US" altLang="ja-JP" dirty="0" err="1" smtClean="0"/>
+              <a:t>bs</a:t>
+            </a:r>
+            <a:r>
+              <a:rPr lang="en-US" altLang="ja-JP" dirty="0"/>
+              <a:t/>
+            </a:r>
+            <a:br>
+              <a:rPr lang="en-US" altLang="ja-JP" dirty="0"/>
+            </a:br>
+            <a:r>
+              <a:rPr lang="en-US" altLang="ja-JP" dirty="0" smtClean="0"/>
+              <a:t/>
+            </a:r>
+            <a:br>
+              <a:rPr lang="en-US" altLang="ja-JP" dirty="0" smtClean="0"/>
+            </a:br>
+            <a:r>
+              <a:rPr lang="en-US" altLang="ja-JP" dirty="0" err="1" smtClean="0"/>
+              <a:t>foldl</a:t>
+            </a:r>
+            <a:r>
+              <a:rPr lang="en-US" altLang="ja-JP" dirty="0" smtClean="0"/>
+              <a:t> f a [</a:t>
+            </a:r>
+            <a:r>
+              <a:rPr lang="en-US" altLang="ja-JP" dirty="0" err="1" smtClean="0"/>
+              <a:t>x,y,z</a:t>
+            </a:r>
+            <a:r>
+              <a:rPr lang="en-US" altLang="ja-JP" dirty="0" smtClean="0"/>
+              <a:t>]</a:t>
+            </a:r>
+            <a:br>
+              <a:rPr lang="en-US" altLang="ja-JP" dirty="0" smtClean="0"/>
+            </a:br>
+            <a:r>
+              <a:rPr lang="en-US" altLang="ja-JP" dirty="0" smtClean="0"/>
+              <a:t>= </a:t>
+            </a:r>
+            <a:r>
+              <a:rPr lang="en-US" altLang="ja-JP" dirty="0" err="1" smtClean="0"/>
+              <a:t>foldl</a:t>
+            </a:r>
+            <a:r>
+              <a:rPr lang="en-US" altLang="ja-JP" dirty="0" smtClean="0"/>
+              <a:t> f (f a x) [</a:t>
+            </a:r>
+            <a:r>
+              <a:rPr lang="en-US" altLang="ja-JP" dirty="0" err="1" smtClean="0"/>
+              <a:t>y,z</a:t>
+            </a:r>
+            <a:r>
+              <a:rPr lang="en-US" altLang="ja-JP" dirty="0" smtClean="0"/>
+              <a:t>]</a:t>
+            </a:r>
+            <a:br>
+              <a:rPr lang="en-US" altLang="ja-JP" dirty="0" smtClean="0"/>
+            </a:br>
+            <a:r>
+              <a:rPr lang="en-US" altLang="ja-JP" dirty="0" smtClean="0"/>
+              <a:t>= </a:t>
+            </a:r>
+            <a:r>
+              <a:rPr lang="en-US" altLang="ja-JP" dirty="0" err="1" smtClean="0"/>
+              <a:t>foldl</a:t>
+            </a:r>
+            <a:r>
+              <a:rPr lang="en-US" altLang="ja-JP" dirty="0" smtClean="0"/>
+              <a:t> f ((a `f` x) `f` y) [z]</a:t>
+            </a:r>
+            <a:br>
+              <a:rPr lang="en-US" altLang="ja-JP" dirty="0" smtClean="0"/>
+            </a:br>
+            <a:r>
+              <a:rPr lang="en-US" altLang="ja-JP" dirty="0" smtClean="0"/>
+              <a:t>= </a:t>
+            </a:r>
+            <a:r>
+              <a:rPr lang="en-US" altLang="ja-JP" dirty="0" err="1"/>
+              <a:t>foldl</a:t>
+            </a:r>
+            <a:r>
+              <a:rPr lang="en-US" altLang="ja-JP" dirty="0"/>
+              <a:t> f </a:t>
+            </a:r>
+            <a:r>
+              <a:rPr lang="en-US" altLang="ja-JP" dirty="0" smtClean="0"/>
+              <a:t>(((</a:t>
+            </a:r>
+            <a:r>
+              <a:rPr lang="en-US" altLang="ja-JP" dirty="0"/>
+              <a:t>a `f` x) `f` y</a:t>
+            </a:r>
+            <a:r>
+              <a:rPr lang="en-US" altLang="ja-JP" dirty="0" smtClean="0"/>
+              <a:t>) `f` z) []</a:t>
+            </a:r>
+            <a:r>
+              <a:rPr lang="en-US" altLang="ja-JP" dirty="0"/>
+              <a:t/>
+            </a:r>
+            <a:br>
+              <a:rPr lang="en-US" altLang="ja-JP" dirty="0"/>
+            </a:br>
+            <a:r>
+              <a:rPr lang="en-US" altLang="ja-JP"/>
+              <a:t>= </a:t>
+            </a:r>
+            <a:r>
+              <a:rPr lang="en-US" altLang="ja-JP" smtClean="0"/>
+              <a:t>((</a:t>
+            </a:r>
+            <a:r>
+              <a:rPr lang="en-US" altLang="ja-JP" dirty="0"/>
+              <a:t>a `f` x) `f` y) `f</a:t>
+            </a:r>
+            <a:r>
+              <a:rPr lang="en-US" altLang="ja-JP"/>
+              <a:t>` </a:t>
+            </a:r>
+            <a:r>
+              <a:rPr lang="en-US" altLang="ja-JP" smtClean="0"/>
+              <a:t>z</a:t>
+            </a:r>
+            <a:endParaRPr lang="en-US" altLang="ja-JP" dirty="0" smtClean="0"/>
           </a:p>
         </p:txBody>
       </p:sp>
@@ -7900,6 +8087,421 @@
     <p:extLst>
       <p:ext uri="{BB962C8B-B14F-4D97-AF65-F5344CB8AC3E}">
         <p14:creationId xmlns:p14="http://schemas.microsoft.com/office/powerpoint/2010/main" val="2349298748"/>
+      </p:ext>
+    </p:extLst>
+  </p:cSld>
+  <p:clrMapOvr>
+    <a:masterClrMapping/>
+  </p:clrMapOvr>
+</p:sld>
+</file>
+
+<file path=ppt/slides/slide5.xml><?xml version="1.0" encoding="utf-8"?>
+<p:sld xmlns:a="http://schemas.openxmlformats.org/drawingml/2006/main" xmlns:r="http://schemas.openxmlformats.org/officeDocument/2006/relationships" xmlns:p="http://schemas.openxmlformats.org/presentationml/2006/main">
+  <p:cSld>
+    <p:spTree>
+      <p:nvGrpSpPr>
+        <p:cNvPr id="1" name=""/>
+        <p:cNvGrpSpPr/>
+        <p:nvPr/>
+      </p:nvGrpSpPr>
+      <p:grpSpPr>
+        <a:xfrm>
+          <a:off x="0" y="0"/>
+          <a:ext cx="0" cy="0"/>
+          <a:chOff x="0" y="0"/>
+          <a:chExt cx="0" cy="0"/>
+        </a:xfrm>
+      </p:grpSpPr>
+      <p:sp>
+        <p:nvSpPr>
+          <p:cNvPr id="2" name="タイトル 1"/>
+          <p:cNvSpPr>
+            <a:spLocks noGrp="1"/>
+          </p:cNvSpPr>
+          <p:nvPr>
+            <p:ph type="title"/>
+          </p:nvPr>
+        </p:nvSpPr>
+        <p:spPr/>
+        <p:txBody>
+          <a:bodyPr/>
+          <a:lstStyle/>
+          <a:p>
+            <a:r>
+              <a:rPr kumimoji="1" lang="en-US" altLang="ja-JP" b="1" dirty="0" err="1" smtClean="0"/>
+              <a:t>foldr</a:t>
+            </a:r>
+            <a:endParaRPr kumimoji="1" lang="ja-JP" altLang="en-US" b="1" dirty="0"/>
+          </a:p>
+        </p:txBody>
+      </p:sp>
+      <p:sp>
+        <p:nvSpPr>
+          <p:cNvPr id="3" name="コンテンツ プレースホルダー 2"/>
+          <p:cNvSpPr>
+            <a:spLocks noGrp="1"/>
+          </p:cNvSpPr>
+          <p:nvPr>
+            <p:ph idx="1"/>
+          </p:nvPr>
+        </p:nvSpPr>
+        <p:spPr/>
+        <p:txBody>
+          <a:bodyPr/>
+          <a:lstStyle/>
+          <a:p>
+            <a:pPr marL="109728" indent="0">
+              <a:buNone/>
+            </a:pPr>
+            <a:r>
+              <a:rPr kumimoji="1" lang="en-US" altLang="ja-JP" dirty="0" err="1" smtClean="0"/>
+              <a:t>foldr</a:t>
+            </a:r>
+            <a:r>
+              <a:rPr kumimoji="1" lang="en-US" altLang="ja-JP" dirty="0" smtClean="0"/>
+              <a:t> :: (a -&gt; b -&gt; b) -&gt; b -&gt; [a] -&gt; b</a:t>
+            </a:r>
+            <a:br>
+              <a:rPr kumimoji="1" lang="en-US" altLang="ja-JP" dirty="0" smtClean="0"/>
+            </a:br>
+            <a:r>
+              <a:rPr kumimoji="1" lang="en-US" altLang="ja-JP" dirty="0" err="1" smtClean="0"/>
+              <a:t>foldr</a:t>
+            </a:r>
+            <a:r>
+              <a:rPr kumimoji="1" lang="en-US" altLang="ja-JP" dirty="0" smtClean="0"/>
+              <a:t> f b [] = b</a:t>
+            </a:r>
+            <a:br>
+              <a:rPr kumimoji="1" lang="en-US" altLang="ja-JP" dirty="0" smtClean="0"/>
+            </a:br>
+            <a:r>
+              <a:rPr kumimoji="1" lang="en-US" altLang="ja-JP" dirty="0" err="1" smtClean="0"/>
+              <a:t>foldr</a:t>
+            </a:r>
+            <a:r>
+              <a:rPr kumimoji="1" lang="en-US" altLang="ja-JP" dirty="0" smtClean="0"/>
+              <a:t> f b (</a:t>
+            </a:r>
+            <a:r>
+              <a:rPr lang="en-US" altLang="ja-JP" dirty="0" err="1"/>
+              <a:t>a</a:t>
+            </a:r>
+            <a:r>
+              <a:rPr kumimoji="1" lang="en-US" altLang="ja-JP" dirty="0" err="1" smtClean="0"/>
+              <a:t>:as</a:t>
+            </a:r>
+            <a:r>
+              <a:rPr kumimoji="1" lang="en-US" altLang="ja-JP" dirty="0" smtClean="0"/>
+              <a:t>) = f a (</a:t>
+            </a:r>
+            <a:r>
+              <a:rPr kumimoji="1" lang="en-US" altLang="ja-JP" dirty="0" err="1" smtClean="0"/>
+              <a:t>foldr</a:t>
+            </a:r>
+            <a:r>
+              <a:rPr kumimoji="1" lang="en-US" altLang="ja-JP" dirty="0" smtClean="0"/>
+              <a:t> f b as)</a:t>
+            </a:r>
+            <a:br>
+              <a:rPr kumimoji="1" lang="en-US" altLang="ja-JP" dirty="0" smtClean="0"/>
+            </a:br>
+            <a:r>
+              <a:rPr kumimoji="1" lang="en-US" altLang="ja-JP" dirty="0" smtClean="0"/>
+              <a:t/>
+            </a:r>
+            <a:br>
+              <a:rPr kumimoji="1" lang="en-US" altLang="ja-JP" dirty="0" smtClean="0"/>
+            </a:br>
+            <a:r>
+              <a:rPr kumimoji="1" lang="en-US" altLang="ja-JP" dirty="0" err="1" smtClean="0"/>
+              <a:t>foldr</a:t>
+            </a:r>
+            <a:r>
+              <a:rPr kumimoji="1" lang="en-US" altLang="ja-JP" dirty="0" smtClean="0"/>
+              <a:t> f b [</a:t>
+            </a:r>
+            <a:r>
+              <a:rPr kumimoji="1" lang="en-US" altLang="ja-JP" dirty="0" err="1" smtClean="0"/>
+              <a:t>x,y,z</a:t>
+            </a:r>
+            <a:r>
+              <a:rPr kumimoji="1" lang="en-US" altLang="ja-JP" dirty="0" smtClean="0"/>
+              <a:t>]</a:t>
+            </a:r>
+            <a:br>
+              <a:rPr kumimoji="1" lang="en-US" altLang="ja-JP" dirty="0" smtClean="0"/>
+            </a:br>
+            <a:r>
+              <a:rPr kumimoji="1" lang="en-US" altLang="ja-JP" dirty="0" smtClean="0"/>
+              <a:t>= x `f` </a:t>
+            </a:r>
+            <a:r>
+              <a:rPr kumimoji="1" lang="en-US" altLang="ja-JP" dirty="0" err="1" smtClean="0"/>
+              <a:t>foldr</a:t>
+            </a:r>
+            <a:r>
+              <a:rPr kumimoji="1" lang="en-US" altLang="ja-JP" dirty="0" smtClean="0"/>
+              <a:t> f b [</a:t>
+            </a:r>
+            <a:r>
+              <a:rPr kumimoji="1" lang="en-US" altLang="ja-JP" dirty="0" err="1" smtClean="0"/>
+              <a:t>y,z</a:t>
+            </a:r>
+            <a:r>
+              <a:rPr kumimoji="1" lang="en-US" altLang="ja-JP" dirty="0" smtClean="0"/>
+              <a:t>]</a:t>
+            </a:r>
+            <a:br>
+              <a:rPr kumimoji="1" lang="en-US" altLang="ja-JP" dirty="0" smtClean="0"/>
+            </a:br>
+            <a:r>
+              <a:rPr kumimoji="1" lang="en-US" altLang="ja-JP" dirty="0" smtClean="0"/>
+              <a:t>= x `f` (y `f` </a:t>
+            </a:r>
+            <a:r>
+              <a:rPr kumimoji="1" lang="en-US" altLang="ja-JP" dirty="0" err="1" smtClean="0"/>
+              <a:t>foldr</a:t>
+            </a:r>
+            <a:r>
+              <a:rPr kumimoji="1" lang="en-US" altLang="ja-JP" dirty="0" smtClean="0"/>
+              <a:t> f b [z])</a:t>
+            </a:r>
+            <a:br>
+              <a:rPr kumimoji="1" lang="en-US" altLang="ja-JP" dirty="0" smtClean="0"/>
+            </a:br>
+            <a:r>
+              <a:rPr kumimoji="1" lang="en-US" altLang="ja-JP" dirty="0" smtClean="0"/>
+              <a:t>= x `f` (y `f` (z `f` </a:t>
+            </a:r>
+            <a:r>
+              <a:rPr kumimoji="1" lang="en-US" altLang="ja-JP" dirty="0" err="1" smtClean="0"/>
+              <a:t>foldr</a:t>
+            </a:r>
+            <a:r>
+              <a:rPr kumimoji="1" lang="en-US" altLang="ja-JP" dirty="0" smtClean="0"/>
+              <a:t> f b [])</a:t>
+            </a:r>
+            <a:br>
+              <a:rPr kumimoji="1" lang="en-US" altLang="ja-JP" dirty="0" smtClean="0"/>
+            </a:br>
+            <a:r>
+              <a:rPr kumimoji="1" lang="en-US" altLang="ja-JP" dirty="0" smtClean="0"/>
+              <a:t>= x `f` (y `f` (z `f` b))</a:t>
+            </a:r>
+            <a:endParaRPr kumimoji="1" lang="ja-JP" altLang="en-US" dirty="0"/>
+          </a:p>
+        </p:txBody>
+      </p:sp>
+    </p:spTree>
+    <p:extLst>
+      <p:ext uri="{BB962C8B-B14F-4D97-AF65-F5344CB8AC3E}">
+        <p14:creationId xmlns:p14="http://schemas.microsoft.com/office/powerpoint/2010/main" val="1136037932"/>
+      </p:ext>
+    </p:extLst>
+  </p:cSld>
+  <p:clrMapOvr>
+    <a:masterClrMapping/>
+  </p:clrMapOvr>
+</p:sld>
+</file>
+
+<file path=ppt/slides/slide6.xml><?xml version="1.0" encoding="utf-8"?>
+<p:sld xmlns:a="http://schemas.openxmlformats.org/drawingml/2006/main" xmlns:r="http://schemas.openxmlformats.org/officeDocument/2006/relationships" xmlns:p="http://schemas.openxmlformats.org/presentationml/2006/main">
+  <p:cSld>
+    <p:spTree>
+      <p:nvGrpSpPr>
+        <p:cNvPr id="1" name=""/>
+        <p:cNvGrpSpPr/>
+        <p:nvPr/>
+      </p:nvGrpSpPr>
+      <p:grpSpPr>
+        <a:xfrm>
+          <a:off x="0" y="0"/>
+          <a:ext cx="0" cy="0"/>
+          <a:chOff x="0" y="0"/>
+          <a:chExt cx="0" cy="0"/>
+        </a:xfrm>
+      </p:grpSpPr>
+      <p:sp>
+        <p:nvSpPr>
+          <p:cNvPr id="2" name="タイトル 1"/>
+          <p:cNvSpPr>
+            <a:spLocks noGrp="1"/>
+          </p:cNvSpPr>
+          <p:nvPr>
+            <p:ph type="title"/>
+          </p:nvPr>
+        </p:nvSpPr>
+        <p:spPr/>
+        <p:txBody>
+          <a:bodyPr/>
+          <a:lstStyle/>
+          <a:p>
+            <a:endParaRPr kumimoji="1" lang="ja-JP" altLang="en-US"/>
+          </a:p>
+        </p:txBody>
+      </p:sp>
+      <p:sp>
+        <p:nvSpPr>
+          <p:cNvPr id="3" name="コンテンツ プレースホルダー 2"/>
+          <p:cNvSpPr>
+            <a:spLocks noGrp="1"/>
+          </p:cNvSpPr>
+          <p:nvPr>
+            <p:ph idx="1"/>
+          </p:nvPr>
+        </p:nvSpPr>
+        <p:spPr/>
+        <p:txBody>
+          <a:bodyPr/>
+          <a:lstStyle/>
+          <a:p>
+            <a:endParaRPr kumimoji="1" lang="ja-JP" altLang="en-US"/>
+          </a:p>
+        </p:txBody>
+      </p:sp>
+    </p:spTree>
+    <p:extLst>
+      <p:ext uri="{BB962C8B-B14F-4D97-AF65-F5344CB8AC3E}">
+        <p14:creationId xmlns:p14="http://schemas.microsoft.com/office/powerpoint/2010/main" val="635209419"/>
+      </p:ext>
+    </p:extLst>
+  </p:cSld>
+  <p:clrMapOvr>
+    <a:masterClrMapping/>
+  </p:clrMapOvr>
+</p:sld>
+</file>
+
+<file path=ppt/slides/slide7.xml><?xml version="1.0" encoding="utf-8"?>
+<p:sld xmlns:a="http://schemas.openxmlformats.org/drawingml/2006/main" xmlns:r="http://schemas.openxmlformats.org/officeDocument/2006/relationships" xmlns:p="http://schemas.openxmlformats.org/presentationml/2006/main">
+  <p:cSld>
+    <p:spTree>
+      <p:nvGrpSpPr>
+        <p:cNvPr id="1" name=""/>
+        <p:cNvGrpSpPr/>
+        <p:nvPr/>
+      </p:nvGrpSpPr>
+      <p:grpSpPr>
+        <a:xfrm>
+          <a:off x="0" y="0"/>
+          <a:ext cx="0" cy="0"/>
+          <a:chOff x="0" y="0"/>
+          <a:chExt cx="0" cy="0"/>
+        </a:xfrm>
+      </p:grpSpPr>
+      <p:sp>
+        <p:nvSpPr>
+          <p:cNvPr id="2" name="タイトル 1"/>
+          <p:cNvSpPr>
+            <a:spLocks noGrp="1"/>
+          </p:cNvSpPr>
+          <p:nvPr>
+            <p:ph type="title"/>
+          </p:nvPr>
+        </p:nvSpPr>
+        <p:spPr/>
+        <p:txBody>
+          <a:bodyPr/>
+          <a:lstStyle/>
+          <a:p>
+            <a:endParaRPr kumimoji="1" lang="ja-JP" altLang="en-US"/>
+          </a:p>
+        </p:txBody>
+      </p:sp>
+      <p:sp>
+        <p:nvSpPr>
+          <p:cNvPr id="3" name="コンテンツ プレースホルダー 2"/>
+          <p:cNvSpPr>
+            <a:spLocks noGrp="1"/>
+          </p:cNvSpPr>
+          <p:nvPr>
+            <p:ph idx="1"/>
+          </p:nvPr>
+        </p:nvSpPr>
+        <p:spPr/>
+        <p:txBody>
+          <a:bodyPr/>
+          <a:lstStyle/>
+          <a:p>
+            <a:endParaRPr kumimoji="1" lang="ja-JP" altLang="en-US"/>
+          </a:p>
+        </p:txBody>
+      </p:sp>
+    </p:spTree>
+    <p:extLst>
+      <p:ext uri="{BB962C8B-B14F-4D97-AF65-F5344CB8AC3E}">
+        <p14:creationId xmlns:p14="http://schemas.microsoft.com/office/powerpoint/2010/main" val="3990957349"/>
+      </p:ext>
+    </p:extLst>
+  </p:cSld>
+  <p:clrMapOvr>
+    <a:masterClrMapping/>
+  </p:clrMapOvr>
+</p:sld>
+</file>
+
+<file path=ppt/slides/slide8.xml><?xml version="1.0" encoding="utf-8"?>
+<p:sld xmlns:a="http://schemas.openxmlformats.org/drawingml/2006/main" xmlns:r="http://schemas.openxmlformats.org/officeDocument/2006/relationships" xmlns:p="http://schemas.openxmlformats.org/presentationml/2006/main">
+  <p:cSld>
+    <p:spTree>
+      <p:nvGrpSpPr>
+        <p:cNvPr id="1" name=""/>
+        <p:cNvGrpSpPr/>
+        <p:nvPr/>
+      </p:nvGrpSpPr>
+      <p:grpSpPr>
+        <a:xfrm>
+          <a:off x="0" y="0"/>
+          <a:ext cx="0" cy="0"/>
+          <a:chOff x="0" y="0"/>
+          <a:chExt cx="0" cy="0"/>
+        </a:xfrm>
+      </p:grpSpPr>
+      <p:sp>
+        <p:nvSpPr>
+          <p:cNvPr id="2" name="タイトル 1"/>
+          <p:cNvSpPr>
+            <a:spLocks noGrp="1"/>
+          </p:cNvSpPr>
+          <p:nvPr>
+            <p:ph type="title"/>
+          </p:nvPr>
+        </p:nvSpPr>
+        <p:spPr/>
+        <p:txBody>
+          <a:bodyPr/>
+          <a:lstStyle/>
+          <a:p>
+            <a:endParaRPr kumimoji="1" lang="ja-JP" altLang="en-US"/>
+          </a:p>
+        </p:txBody>
+      </p:sp>
+      <p:sp>
+        <p:nvSpPr>
+          <p:cNvPr id="3" name="コンテンツ プレースホルダー 2"/>
+          <p:cNvSpPr>
+            <a:spLocks noGrp="1"/>
+          </p:cNvSpPr>
+          <p:nvPr>
+            <p:ph idx="1"/>
+          </p:nvPr>
+        </p:nvSpPr>
+        <p:spPr/>
+        <p:txBody>
+          <a:bodyPr/>
+          <a:lstStyle/>
+          <a:p>
+            <a:endParaRPr kumimoji="1" lang="ja-JP" altLang="en-US"/>
+          </a:p>
+        </p:txBody>
+      </p:sp>
+    </p:spTree>
+    <p:extLst>
+      <p:ext uri="{BB962C8B-B14F-4D97-AF65-F5344CB8AC3E}">
+        <p14:creationId xmlns:p14="http://schemas.microsoft.com/office/powerpoint/2010/main" val="343957417"/>
       </p:ext>
     </p:extLst>
   </p:cSld>
